--- a/pro01/MVC_Notice1.pptx
+++ b/pro01/MVC_Notice1.pptx
@@ -108,6 +108,11 @@
       </a:defRPr>
     </a:lvl9pPr>
   </p:defaultTextStyle>
+  <p:extLst>
+    <p:ext uri="{EFAFB233-063F-42B5-8137-9DF3F51BA10A}">
+      <p15:sldGuideLst xmlns:p15="http://schemas.microsoft.com/office/powerpoint/2012/main"/>
+    </p:ext>
+  </p:extLst>
 </p:presentation>
 </file>
 
@@ -258,7 +263,7 @@
           <a:p>
             <a:fld id="{5C667553-029C-441C-B86E-DA02D4D77C21}" type="datetimeFigureOut">
               <a:rPr lang="ko-KR" altLang="en-US" smtClean="0"/>
-              <a:t>2024-04-04</a:t>
+              <a:t>2024-04-05</a:t>
             </a:fld>
             <a:endParaRPr lang="ko-KR" altLang="en-US"/>
           </a:p>
@@ -456,7 +461,7 @@
           <a:p>
             <a:fld id="{5C667553-029C-441C-B86E-DA02D4D77C21}" type="datetimeFigureOut">
               <a:rPr lang="ko-KR" altLang="en-US" smtClean="0"/>
-              <a:t>2024-04-04</a:t>
+              <a:t>2024-04-05</a:t>
             </a:fld>
             <a:endParaRPr lang="ko-KR" altLang="en-US"/>
           </a:p>
@@ -664,7 +669,7 @@
           <a:p>
             <a:fld id="{5C667553-029C-441C-B86E-DA02D4D77C21}" type="datetimeFigureOut">
               <a:rPr lang="ko-KR" altLang="en-US" smtClean="0"/>
-              <a:t>2024-04-04</a:t>
+              <a:t>2024-04-05</a:t>
             </a:fld>
             <a:endParaRPr lang="ko-KR" altLang="en-US"/>
           </a:p>
@@ -862,7 +867,7 @@
           <a:p>
             <a:fld id="{5C667553-029C-441C-B86E-DA02D4D77C21}" type="datetimeFigureOut">
               <a:rPr lang="ko-KR" altLang="en-US" smtClean="0"/>
-              <a:t>2024-04-04</a:t>
+              <a:t>2024-04-05</a:t>
             </a:fld>
             <a:endParaRPr lang="ko-KR" altLang="en-US"/>
           </a:p>
@@ -1137,7 +1142,7 @@
           <a:p>
             <a:fld id="{5C667553-029C-441C-B86E-DA02D4D77C21}" type="datetimeFigureOut">
               <a:rPr lang="ko-KR" altLang="en-US" smtClean="0"/>
-              <a:t>2024-04-04</a:t>
+              <a:t>2024-04-05</a:t>
             </a:fld>
             <a:endParaRPr lang="ko-KR" altLang="en-US"/>
           </a:p>
@@ -1402,7 +1407,7 @@
           <a:p>
             <a:fld id="{5C667553-029C-441C-B86E-DA02D4D77C21}" type="datetimeFigureOut">
               <a:rPr lang="ko-KR" altLang="en-US" smtClean="0"/>
-              <a:t>2024-04-04</a:t>
+              <a:t>2024-04-05</a:t>
             </a:fld>
             <a:endParaRPr lang="ko-KR" altLang="en-US"/>
           </a:p>
@@ -1814,7 +1819,7 @@
           <a:p>
             <a:fld id="{5C667553-029C-441C-B86E-DA02D4D77C21}" type="datetimeFigureOut">
               <a:rPr lang="ko-KR" altLang="en-US" smtClean="0"/>
-              <a:t>2024-04-04</a:t>
+              <a:t>2024-04-05</a:t>
             </a:fld>
             <a:endParaRPr lang="ko-KR" altLang="en-US"/>
           </a:p>
@@ -1955,7 +1960,7 @@
           <a:p>
             <a:fld id="{5C667553-029C-441C-B86E-DA02D4D77C21}" type="datetimeFigureOut">
               <a:rPr lang="ko-KR" altLang="en-US" smtClean="0"/>
-              <a:t>2024-04-04</a:t>
+              <a:t>2024-04-05</a:t>
             </a:fld>
             <a:endParaRPr lang="ko-KR" altLang="en-US"/>
           </a:p>
@@ -2068,7 +2073,7 @@
           <a:p>
             <a:fld id="{5C667553-029C-441C-B86E-DA02D4D77C21}" type="datetimeFigureOut">
               <a:rPr lang="ko-KR" altLang="en-US" smtClean="0"/>
-              <a:t>2024-04-04</a:t>
+              <a:t>2024-04-05</a:t>
             </a:fld>
             <a:endParaRPr lang="ko-KR" altLang="en-US"/>
           </a:p>
@@ -2379,7 +2384,7 @@
           <a:p>
             <a:fld id="{5C667553-029C-441C-B86E-DA02D4D77C21}" type="datetimeFigureOut">
               <a:rPr lang="ko-KR" altLang="en-US" smtClean="0"/>
-              <a:t>2024-04-04</a:t>
+              <a:t>2024-04-05</a:t>
             </a:fld>
             <a:endParaRPr lang="ko-KR" altLang="en-US"/>
           </a:p>
@@ -2667,7 +2672,7 @@
           <a:p>
             <a:fld id="{5C667553-029C-441C-B86E-DA02D4D77C21}" type="datetimeFigureOut">
               <a:rPr lang="ko-KR" altLang="en-US" smtClean="0"/>
-              <a:t>2024-04-04</a:t>
+              <a:t>2024-04-05</a:t>
             </a:fld>
             <a:endParaRPr lang="ko-KR" altLang="en-US"/>
           </a:p>
@@ -2908,7 +2913,7 @@
           <a:p>
             <a:fld id="{5C667553-029C-441C-B86E-DA02D4D77C21}" type="datetimeFigureOut">
               <a:rPr lang="ko-KR" altLang="en-US" smtClean="0"/>
-              <a:t>2024-04-04</a:t>
+              <a:t>2024-04-05</a:t>
             </a:fld>
             <a:endParaRPr lang="ko-KR" altLang="en-US"/>
           </a:p>
@@ -3515,7 +3520,7 @@
         <p:spPr>
           <a:xfrm>
             <a:off x="1664220" y="782300"/>
-            <a:ext cx="1245854" cy="307777"/>
+            <a:ext cx="1064715" cy="307777"/>
           </a:xfrm>
           <a:prstGeom prst="rect">
             <a:avLst/>
@@ -3534,7 +3539,7 @@
                   <a:srgbClr val="0070C0"/>
                 </a:solidFill>
               </a:rPr>
-              <a:t>NoticeList.do</a:t>
+              <a:t>NotiList.do</a:t>
             </a:r>
             <a:endParaRPr lang="ko-KR" altLang="en-US" sz="1400" dirty="0">
               <a:solidFill>
@@ -4991,7 +4996,7 @@
         <p:spPr>
           <a:xfrm>
             <a:off x="7255170" y="1866900"/>
-            <a:ext cx="3174843" cy="2308324"/>
+            <a:ext cx="4242252" cy="3231654"/>
           </a:xfrm>
           <a:prstGeom prst="rect">
             <a:avLst/>
@@ -5027,6 +5032,124 @@
             <a:r>
               <a:rPr lang="en-US" altLang="ko-KR" sz="1200" dirty="0"/>
               <a:t>{</a:t>
+            </a:r>
+          </a:p>
+          <a:p>
+            <a:r>
+              <a:rPr lang="en-US" altLang="ko-KR" sz="1200" dirty="0"/>
+              <a:t>   </a:t>
+            </a:r>
+            <a:r>
+              <a:rPr lang="en-US" altLang="ko-KR" sz="1200" dirty="0" err="1"/>
+              <a:t>sql</a:t>
+            </a:r>
+            <a:r>
+              <a:rPr lang="en-US" altLang="ko-KR" sz="1200" dirty="0"/>
+              <a:t> = “update</a:t>
+            </a:r>
+            <a:r>
+              <a:rPr lang="ko-KR" altLang="en-US" sz="1200" dirty="0"/>
+              <a:t> </a:t>
+            </a:r>
+            <a:r>
+              <a:rPr lang="en-US" altLang="ko-KR" sz="1200" dirty="0"/>
+              <a:t>notice</a:t>
+            </a:r>
+            <a:r>
+              <a:rPr lang="ko-KR" altLang="en-US" sz="1200" dirty="0"/>
+              <a:t> </a:t>
+            </a:r>
+            <a:r>
+              <a:rPr lang="en-US" altLang="ko-KR" sz="1200" dirty="0"/>
+              <a:t>set</a:t>
+            </a:r>
+            <a:r>
+              <a:rPr lang="ko-KR" altLang="en-US" sz="1200" dirty="0"/>
+              <a:t> </a:t>
+            </a:r>
+            <a:r>
+              <a:rPr lang="en-US" altLang="ko-KR" sz="1200" dirty="0"/>
+              <a:t>visited=visited+1</a:t>
+            </a:r>
+            <a:r>
+              <a:rPr lang="ko-KR" altLang="en-US" sz="1200" dirty="0"/>
+              <a:t> </a:t>
+            </a:r>
+            <a:r>
+              <a:rPr lang="en-US" altLang="ko-KR" sz="1200" dirty="0"/>
+              <a:t>where</a:t>
+            </a:r>
+            <a:r>
+              <a:rPr lang="ko-KR" altLang="en-US" sz="1200" dirty="0"/>
+              <a:t> </a:t>
+            </a:r>
+            <a:r>
+              <a:rPr lang="en-US" altLang="ko-KR" sz="1200" dirty="0"/>
+              <a:t>no=?”</a:t>
+            </a:r>
+          </a:p>
+          <a:p>
+            <a:r>
+              <a:rPr lang="en-US" altLang="ko-KR" sz="1200" dirty="0"/>
+              <a:t>   </a:t>
+            </a:r>
+            <a:r>
+              <a:rPr lang="en-US" altLang="ko-KR" sz="1200" dirty="0" err="1"/>
+              <a:t>pstmt.preparedStatement</a:t>
+            </a:r>
+            <a:r>
+              <a:rPr lang="en-US" altLang="ko-KR" sz="1200" dirty="0"/>
+              <a:t>(</a:t>
+            </a:r>
+            <a:r>
+              <a:rPr lang="en-US" altLang="ko-KR" sz="1200" dirty="0" err="1"/>
+              <a:t>sql</a:t>
+            </a:r>
+            <a:r>
+              <a:rPr lang="en-US" altLang="ko-KR" sz="1200" dirty="0"/>
+              <a:t>);</a:t>
+            </a:r>
+          </a:p>
+          <a:p>
+            <a:r>
+              <a:rPr lang="en-US" altLang="ko-KR" sz="1200" dirty="0"/>
+              <a:t>   </a:t>
+            </a:r>
+            <a:r>
+              <a:rPr lang="en-US" altLang="ko-KR" sz="1200" dirty="0" err="1"/>
+              <a:t>pstmt.setInt</a:t>
+            </a:r>
+            <a:r>
+              <a:rPr lang="en-US" altLang="ko-KR" sz="1200" dirty="0"/>
+              <a:t>(1, no);</a:t>
+            </a:r>
+          </a:p>
+          <a:p>
+            <a:r>
+              <a:rPr lang="en-US" altLang="ko-KR" sz="1200" dirty="0"/>
+              <a:t>   </a:t>
+            </a:r>
+            <a:r>
+              <a:rPr lang="en-US" altLang="ko-KR" sz="1200" dirty="0" err="1"/>
+              <a:t>pstmt.executeUpdate</a:t>
+            </a:r>
+            <a:r>
+              <a:rPr lang="en-US" altLang="ko-KR" sz="1200" dirty="0"/>
+              <a:t>();</a:t>
+            </a:r>
+          </a:p>
+          <a:p>
+            <a:r>
+              <a:rPr lang="en-US" altLang="ko-KR" sz="1200" dirty="0"/>
+              <a:t>   </a:t>
+            </a:r>
+            <a:r>
+              <a:rPr lang="en-US" altLang="ko-KR" sz="1200" dirty="0" err="1"/>
+              <a:t>pstmt</a:t>
+            </a:r>
+            <a:r>
+              <a:rPr lang="en-US" altLang="ko-KR" sz="1200" dirty="0"/>
+              <a:t> = null;</a:t>
             </a:r>
           </a:p>
           <a:p>
@@ -6110,7 +6233,7 @@
             </a:r>
             <a:r>
               <a:rPr lang="en-US" altLang="ko-KR" sz="1200" dirty="0"/>
-              <a:t>(“/pro01/NoticeList.do”);</a:t>
+              <a:t>(“/pro01/NotiList.do”);</a:t>
             </a:r>
           </a:p>
         </p:txBody>
@@ -7358,15 +7481,7 @@
             </a:r>
             <a:r>
               <a:rPr lang="en-US" altLang="ko-KR" sz="1000" dirty="0"/>
-              <a:t> = </a:t>
-            </a:r>
-            <a:r>
-              <a:rPr lang="en-US" altLang="ko-KR" sz="1000" dirty="0" err="1"/>
-              <a:t>dao.getNotice</a:t>
-            </a:r>
-            <a:r>
-              <a:rPr lang="en-US" altLang="ko-KR" sz="1000" dirty="0"/>
-              <a:t>(no);</a:t>
+              <a:t> = dao.getNotice2(no);</a:t>
             </a:r>
           </a:p>
           <a:p>
@@ -7475,20 +7590,12 @@
               <a:t> </a:t>
             </a:r>
             <a:r>
-              <a:rPr lang="en-US" altLang="ko-KR" sz="1000" dirty="0" err="1">
+              <a:rPr lang="en-US" altLang="ko-KR" sz="1000" dirty="0">
                 <a:solidFill>
                   <a:srgbClr val="0070C0"/>
                 </a:solidFill>
               </a:rPr>
-              <a:t>getNotice</a:t>
-            </a:r>
-            <a:r>
-              <a:rPr lang="en-US" altLang="ko-KR" sz="1000" dirty="0">
-                <a:solidFill>
-                  <a:srgbClr val="0070C0"/>
-                </a:solidFill>
-              </a:rPr>
-              <a:t>(int no)</a:t>
+              <a:t>getNotice2(int no)</a:t>
             </a:r>
             <a:r>
               <a:rPr lang="en-US" altLang="ko-KR" sz="1000" dirty="0"/>
@@ -7887,7 +7994,7 @@
                   <a:srgbClr val="002060"/>
                 </a:solidFill>
               </a:rPr>
-              <a:t>editList.jsp</a:t>
+              <a:t>editNotice.jsp</a:t>
             </a:r>
             <a:endParaRPr lang="ko-KR" altLang="en-US" dirty="0">
               <a:solidFill>
@@ -8521,7 +8628,7 @@
             </a:r>
             <a:r>
               <a:rPr lang="en-US" altLang="ko-KR" sz="1200" dirty="0" err="1"/>
-              <a:t>dao.editNotice</a:t>
+              <a:t>dao.editProNotice</a:t>
             </a:r>
             <a:r>
               <a:rPr lang="en-US" altLang="ko-KR" sz="1200" dirty="0"/>
@@ -8549,7 +8656,7 @@
             </a:r>
             <a:r>
               <a:rPr lang="en-US" altLang="ko-KR" sz="1200" dirty="0"/>
-              <a:t>(“/pro01/NoticeList.do”);</a:t>
+              <a:t>(“/pro01/NotiList.do”);</a:t>
             </a:r>
           </a:p>
         </p:txBody>
@@ -8661,7 +8768,7 @@
                   <a:srgbClr val="0070C0"/>
                 </a:solidFill>
               </a:rPr>
-              <a:t>editNotice</a:t>
+              <a:t>editProNotice</a:t>
             </a:r>
             <a:r>
               <a:rPr lang="en-US" altLang="ko-KR" sz="1000" dirty="0">
@@ -9435,8 +9542,8 @@
         </p:nvSpPr>
         <p:spPr>
           <a:xfrm rot="19527022">
-            <a:off x="2883897" y="3608860"/>
-            <a:ext cx="1245854" cy="307777"/>
+            <a:off x="2974466" y="3608860"/>
+            <a:ext cx="1064715" cy="307777"/>
           </a:xfrm>
           <a:prstGeom prst="rect">
             <a:avLst/>
@@ -9455,7 +9562,7 @@
                   <a:srgbClr val="FF0000"/>
                 </a:solidFill>
               </a:rPr>
-              <a:t>NoticeList.do</a:t>
+              <a:t>NotiList.do</a:t>
             </a:r>
             <a:endParaRPr lang="ko-KR" altLang="en-US" sz="1400" dirty="0">
               <a:solidFill>
@@ -9798,7 +9905,7 @@
         <p:spPr>
           <a:xfrm>
             <a:off x="3110656" y="1866900"/>
-            <a:ext cx="3882538" cy="830997"/>
+            <a:ext cx="4278735" cy="1754326"/>
           </a:xfrm>
           <a:prstGeom prst="rect">
             <a:avLst/>
@@ -9889,13 +9996,57 @@
             </a:r>
           </a:p>
           <a:p>
+            <a:endParaRPr lang="en-US" altLang="ko-KR" sz="1200" dirty="0"/>
+          </a:p>
+          <a:p>
+            <a:pPr algn="l"/>
+            <a:r>
+              <a:rPr lang="en-US" altLang="ko-KR" sz="1200" dirty="0"/>
+              <a:t>if(</a:t>
+            </a:r>
+            <a:r>
+              <a:rPr lang="en-US" altLang="ko-KR" sz="1200" dirty="0" err="1"/>
+              <a:t>cnt</a:t>
+            </a:r>
+            <a:r>
+              <a:rPr lang="en-US" altLang="ko-KR" sz="1200" dirty="0"/>
+              <a:t>&gt;0) {</a:t>
+            </a:r>
+          </a:p>
+          <a:p>
+            <a:pPr algn="l"/>
+            <a:r>
+              <a:rPr lang="en-US" altLang="ko-KR" sz="1200" dirty="0"/>
+              <a:t>  </a:t>
+            </a:r>
             <a:r>
               <a:rPr lang="en-US" altLang="ko-KR" sz="1200" dirty="0" err="1"/>
               <a:t>response.sendRedirect</a:t>
             </a:r>
             <a:r>
               <a:rPr lang="en-US" altLang="ko-KR" sz="1200" dirty="0"/>
-              <a:t>(“/pro01/NoticeList.do”);</a:t>
+              <a:t>("/pro01/NotiList.do");</a:t>
+            </a:r>
+          </a:p>
+          <a:p>
+            <a:pPr algn="l"/>
+            <a:r>
+              <a:rPr lang="en-US" altLang="ko-KR" sz="1200" dirty="0"/>
+              <a:t>} else {</a:t>
+            </a:r>
+          </a:p>
+          <a:p>
+            <a:pPr algn="l"/>
+            <a:r>
+              <a:rPr lang="pt-BR" altLang="ko-KR" sz="1200" dirty="0"/>
+              <a:t>  response.sendRedirect("/pro01/GetNotice2.do?no="+no);</a:t>
+            </a:r>
+          </a:p>
+          <a:p>
+            <a:pPr algn="l"/>
+            <a:r>
+              <a:rPr lang="en-US" altLang="ko-KR" sz="1200" dirty="0"/>
+              <a:t>}</a:t>
             </a:r>
           </a:p>
         </p:txBody>
@@ -10360,8 +10511,8 @@
         </p:nvSpPr>
         <p:spPr>
           <a:xfrm rot="19046045">
-            <a:off x="2454942" y="1713013"/>
-            <a:ext cx="1245854" cy="307777"/>
+            <a:off x="2545511" y="1713013"/>
+            <a:ext cx="1064715" cy="307777"/>
           </a:xfrm>
           <a:prstGeom prst="rect">
             <a:avLst/>
@@ -10380,7 +10531,7 @@
                   <a:srgbClr val="FF0000"/>
                 </a:solidFill>
               </a:rPr>
-              <a:t>NoticeList.do</a:t>
+              <a:t>NotiList.do</a:t>
             </a:r>
             <a:endParaRPr lang="ko-KR" altLang="en-US" sz="1400" dirty="0">
               <a:solidFill>
